--- a/React/02_React_Fundamentals.pptx
+++ b/React/02_React_Fundamentals.pptx
@@ -4,6 +4,9 @@
   <p:sldMasterIdLst>
     <p:sldMasterId id="2147483660" r:id="rId1"/>
   </p:sldMasterIdLst>
+  <p:notesMasterIdLst>
+    <p:notesMasterId r:id="rId34"/>
+  </p:notesMasterIdLst>
   <p:sldIdLst>
     <p:sldId id="256" r:id="rId2"/>
     <p:sldId id="257" r:id="rId3"/>
@@ -173,6 +176,355 @@
 </p:presentation>
 </file>
 
+<file path=ppt/notesMasters/notesMaster1.xml><?xml version="1.0" encoding="utf-8"?>
+<p:notesMaster xmlns:a="http://schemas.openxmlformats.org/drawingml/2006/main" xmlns:r="http://schemas.openxmlformats.org/officeDocument/2006/relationships" xmlns:p="http://schemas.openxmlformats.org/presentationml/2006/main">
+  <p:cSld>
+    <p:bg>
+      <p:bgRef idx="1001">
+        <a:schemeClr val="bg1"/>
+      </p:bgRef>
+    </p:bg>
+    <p:spTree>
+      <p:nvGrpSpPr>
+        <p:cNvPr id="1" name=""/>
+        <p:cNvGrpSpPr/>
+        <p:nvPr/>
+      </p:nvGrpSpPr>
+      <p:grpSpPr>
+        <a:xfrm>
+          <a:off x="0" y="0"/>
+          <a:ext cx="0" cy="0"/>
+          <a:chOff x="0" y="0"/>
+          <a:chExt cx="0" cy="0"/>
+        </a:xfrm>
+      </p:grpSpPr>
+      <p:sp>
+        <p:nvSpPr>
+          <p:cNvPr id="2" name="Header Placeholder 1"/>
+          <p:cNvSpPr>
+            <a:spLocks noGrp="1"/>
+          </p:cNvSpPr>
+          <p:nvPr>
+            <p:ph type="hdr" sz="quarter"/>
+          </p:nvPr>
+        </p:nvSpPr>
+        <p:spPr>
+          <a:xfrm>
+            <a:off x="0" y="0"/>
+            <a:ext cx="2971800" cy="458788"/>
+          </a:xfrm>
+          <a:prstGeom prst="rect">
+            <a:avLst/>
+          </a:prstGeom>
+        </p:spPr>
+        <p:txBody>
+          <a:bodyPr vert="horz" lIns="91440" tIns="45720" rIns="91440" bIns="45720" rtlCol="0"/>
+          <a:lstStyle>
+            <a:lvl1pPr algn="l">
+              <a:defRPr sz="1200"/>
+            </a:lvl1pPr>
+          </a:lstStyle>
+          <a:p>
+            <a:endParaRPr lang="en-US"/>
+          </a:p>
+        </p:txBody>
+      </p:sp>
+      <p:sp>
+        <p:nvSpPr>
+          <p:cNvPr id="3" name="Date Placeholder 2"/>
+          <p:cNvSpPr>
+            <a:spLocks noGrp="1"/>
+          </p:cNvSpPr>
+          <p:nvPr>
+            <p:ph type="dt" idx="1"/>
+          </p:nvPr>
+        </p:nvSpPr>
+        <p:spPr>
+          <a:xfrm>
+            <a:off x="3884613" y="0"/>
+            <a:ext cx="2971800" cy="458788"/>
+          </a:xfrm>
+          <a:prstGeom prst="rect">
+            <a:avLst/>
+          </a:prstGeom>
+        </p:spPr>
+        <p:txBody>
+          <a:bodyPr vert="horz" lIns="91440" tIns="45720" rIns="91440" bIns="45720" rtlCol="0"/>
+          <a:lstStyle>
+            <a:lvl1pPr algn="r">
+              <a:defRPr sz="1200"/>
+            </a:lvl1pPr>
+          </a:lstStyle>
+          <a:p>
+            <a:fld id="{1253F428-299A-4911-AD96-F991AD96E7F3}" type="datetimeFigureOut">
+              <a:rPr lang="en-US" smtClean="0"/>
+              <a:t>6/20/2023</a:t>
+            </a:fld>
+            <a:endParaRPr lang="en-US"/>
+          </a:p>
+        </p:txBody>
+      </p:sp>
+      <p:sp>
+        <p:nvSpPr>
+          <p:cNvPr id="4" name="Slide Image Placeholder 3"/>
+          <p:cNvSpPr>
+            <a:spLocks noGrp="1" noRot="1" noChangeAspect="1"/>
+          </p:cNvSpPr>
+          <p:nvPr>
+            <p:ph type="sldImg" idx="2"/>
+          </p:nvPr>
+        </p:nvSpPr>
+        <p:spPr>
+          <a:xfrm>
+            <a:off x="685800" y="1143000"/>
+            <a:ext cx="5486400" cy="3086100"/>
+          </a:xfrm>
+          <a:prstGeom prst="rect">
+            <a:avLst/>
+          </a:prstGeom>
+          <a:noFill/>
+          <a:ln w="12700">
+            <a:solidFill>
+              <a:prstClr val="black"/>
+            </a:solidFill>
+          </a:ln>
+        </p:spPr>
+        <p:txBody>
+          <a:bodyPr vert="horz" lIns="91440" tIns="45720" rIns="91440" bIns="45720" rtlCol="0" anchor="ctr"/>
+          <a:lstStyle/>
+          <a:p>
+            <a:endParaRPr lang="en-US"/>
+          </a:p>
+        </p:txBody>
+      </p:sp>
+      <p:sp>
+        <p:nvSpPr>
+          <p:cNvPr id="5" name="Notes Placeholder 4"/>
+          <p:cNvSpPr>
+            <a:spLocks noGrp="1"/>
+          </p:cNvSpPr>
+          <p:nvPr>
+            <p:ph type="body" sz="quarter" idx="3"/>
+          </p:nvPr>
+        </p:nvSpPr>
+        <p:spPr>
+          <a:xfrm>
+            <a:off x="685800" y="4400550"/>
+            <a:ext cx="5486400" cy="3600450"/>
+          </a:xfrm>
+          <a:prstGeom prst="rect">
+            <a:avLst/>
+          </a:prstGeom>
+        </p:spPr>
+        <p:txBody>
+          <a:bodyPr vert="horz" lIns="91440" tIns="45720" rIns="91440" bIns="45720" rtlCol="0"/>
+          <a:lstStyle/>
+          <a:p>
+            <a:pPr lvl="0"/>
+            <a:r>
+              <a:rPr lang="en-US"/>
+              <a:t>Click to edit Master text styles</a:t>
+            </a:r>
+          </a:p>
+          <a:p>
+            <a:pPr lvl="1"/>
+            <a:r>
+              <a:rPr lang="en-US"/>
+              <a:t>Second level</a:t>
+            </a:r>
+          </a:p>
+          <a:p>
+            <a:pPr lvl="2"/>
+            <a:r>
+              <a:rPr lang="en-US"/>
+              <a:t>Third level</a:t>
+            </a:r>
+          </a:p>
+          <a:p>
+            <a:pPr lvl="3"/>
+            <a:r>
+              <a:rPr lang="en-US"/>
+              <a:t>Fourth level</a:t>
+            </a:r>
+          </a:p>
+          <a:p>
+            <a:pPr lvl="4"/>
+            <a:r>
+              <a:rPr lang="en-US"/>
+              <a:t>Fifth level</a:t>
+            </a:r>
+          </a:p>
+        </p:txBody>
+      </p:sp>
+      <p:sp>
+        <p:nvSpPr>
+          <p:cNvPr id="6" name="Footer Placeholder 5"/>
+          <p:cNvSpPr>
+            <a:spLocks noGrp="1"/>
+          </p:cNvSpPr>
+          <p:nvPr>
+            <p:ph type="ftr" sz="quarter" idx="4"/>
+          </p:nvPr>
+        </p:nvSpPr>
+        <p:spPr>
+          <a:xfrm>
+            <a:off x="0" y="8685213"/>
+            <a:ext cx="2971800" cy="458787"/>
+          </a:xfrm>
+          <a:prstGeom prst="rect">
+            <a:avLst/>
+          </a:prstGeom>
+        </p:spPr>
+        <p:txBody>
+          <a:bodyPr vert="horz" lIns="91440" tIns="45720" rIns="91440" bIns="45720" rtlCol="0" anchor="b"/>
+          <a:lstStyle>
+            <a:lvl1pPr algn="l">
+              <a:defRPr sz="1200"/>
+            </a:lvl1pPr>
+          </a:lstStyle>
+          <a:p>
+            <a:endParaRPr lang="en-US"/>
+          </a:p>
+        </p:txBody>
+      </p:sp>
+      <p:sp>
+        <p:nvSpPr>
+          <p:cNvPr id="7" name="Slide Number Placeholder 6"/>
+          <p:cNvSpPr>
+            <a:spLocks noGrp="1"/>
+          </p:cNvSpPr>
+          <p:nvPr>
+            <p:ph type="sldNum" sz="quarter" idx="5"/>
+          </p:nvPr>
+        </p:nvSpPr>
+        <p:spPr>
+          <a:xfrm>
+            <a:off x="3884613" y="8685213"/>
+            <a:ext cx="2971800" cy="458787"/>
+          </a:xfrm>
+          <a:prstGeom prst="rect">
+            <a:avLst/>
+          </a:prstGeom>
+        </p:spPr>
+        <p:txBody>
+          <a:bodyPr vert="horz" lIns="91440" tIns="45720" rIns="91440" bIns="45720" rtlCol="0" anchor="b"/>
+          <a:lstStyle>
+            <a:lvl1pPr algn="r">
+              <a:defRPr sz="1200"/>
+            </a:lvl1pPr>
+          </a:lstStyle>
+          <a:p>
+            <a:fld id="{4BE04261-5A9C-4D84-B82D-157C4E24E8C0}" type="slidenum">
+              <a:rPr lang="en-US" smtClean="0"/>
+              <a:t>‹#›</a:t>
+            </a:fld>
+            <a:endParaRPr lang="en-US"/>
+          </a:p>
+        </p:txBody>
+      </p:sp>
+    </p:spTree>
+    <p:extLst>
+      <p:ext uri="{BB962C8B-B14F-4D97-AF65-F5344CB8AC3E}">
+        <p14:creationId xmlns:p14="http://schemas.microsoft.com/office/powerpoint/2010/main" val="867792101"/>
+      </p:ext>
+    </p:extLst>
+  </p:cSld>
+  <p:clrMap bg1="lt1" tx1="dk1" bg2="lt2" tx2="dk2" accent1="accent1" accent2="accent2" accent3="accent3" accent4="accent4" accent5="accent5" accent6="accent6" hlink="hlink" folHlink="folHlink"/>
+  <p:notesStyle>
+    <a:lvl1pPr marL="0" algn="l" defTabSz="914400" rtl="0" eaLnBrk="1" latinLnBrk="0" hangingPunct="1">
+      <a:defRPr sz="1200" kern="1200">
+        <a:solidFill>
+          <a:schemeClr val="tx1"/>
+        </a:solidFill>
+        <a:latin typeface="+mn-lt"/>
+        <a:ea typeface="+mn-ea"/>
+        <a:cs typeface="+mn-cs"/>
+      </a:defRPr>
+    </a:lvl1pPr>
+    <a:lvl2pPr marL="457200" algn="l" defTabSz="914400" rtl="0" eaLnBrk="1" latinLnBrk="0" hangingPunct="1">
+      <a:defRPr sz="1200" kern="1200">
+        <a:solidFill>
+          <a:schemeClr val="tx1"/>
+        </a:solidFill>
+        <a:latin typeface="+mn-lt"/>
+        <a:ea typeface="+mn-ea"/>
+        <a:cs typeface="+mn-cs"/>
+      </a:defRPr>
+    </a:lvl2pPr>
+    <a:lvl3pPr marL="914400" algn="l" defTabSz="914400" rtl="0" eaLnBrk="1" latinLnBrk="0" hangingPunct="1">
+      <a:defRPr sz="1200" kern="1200">
+        <a:solidFill>
+          <a:schemeClr val="tx1"/>
+        </a:solidFill>
+        <a:latin typeface="+mn-lt"/>
+        <a:ea typeface="+mn-ea"/>
+        <a:cs typeface="+mn-cs"/>
+      </a:defRPr>
+    </a:lvl3pPr>
+    <a:lvl4pPr marL="1371600" algn="l" defTabSz="914400" rtl="0" eaLnBrk="1" latinLnBrk="0" hangingPunct="1">
+      <a:defRPr sz="1200" kern="1200">
+        <a:solidFill>
+          <a:schemeClr val="tx1"/>
+        </a:solidFill>
+        <a:latin typeface="+mn-lt"/>
+        <a:ea typeface="+mn-ea"/>
+        <a:cs typeface="+mn-cs"/>
+      </a:defRPr>
+    </a:lvl4pPr>
+    <a:lvl5pPr marL="1828800" algn="l" defTabSz="914400" rtl="0" eaLnBrk="1" latinLnBrk="0" hangingPunct="1">
+      <a:defRPr sz="1200" kern="1200">
+        <a:solidFill>
+          <a:schemeClr val="tx1"/>
+        </a:solidFill>
+        <a:latin typeface="+mn-lt"/>
+        <a:ea typeface="+mn-ea"/>
+        <a:cs typeface="+mn-cs"/>
+      </a:defRPr>
+    </a:lvl5pPr>
+    <a:lvl6pPr marL="2286000" algn="l" defTabSz="914400" rtl="0" eaLnBrk="1" latinLnBrk="0" hangingPunct="1">
+      <a:defRPr sz="1200" kern="1200">
+        <a:solidFill>
+          <a:schemeClr val="tx1"/>
+        </a:solidFill>
+        <a:latin typeface="+mn-lt"/>
+        <a:ea typeface="+mn-ea"/>
+        <a:cs typeface="+mn-cs"/>
+      </a:defRPr>
+    </a:lvl6pPr>
+    <a:lvl7pPr marL="2743200" algn="l" defTabSz="914400" rtl="0" eaLnBrk="1" latinLnBrk="0" hangingPunct="1">
+      <a:defRPr sz="1200" kern="1200">
+        <a:solidFill>
+          <a:schemeClr val="tx1"/>
+        </a:solidFill>
+        <a:latin typeface="+mn-lt"/>
+        <a:ea typeface="+mn-ea"/>
+        <a:cs typeface="+mn-cs"/>
+      </a:defRPr>
+    </a:lvl7pPr>
+    <a:lvl8pPr marL="3200400" algn="l" defTabSz="914400" rtl="0" eaLnBrk="1" latinLnBrk="0" hangingPunct="1">
+      <a:defRPr sz="1200" kern="1200">
+        <a:solidFill>
+          <a:schemeClr val="tx1"/>
+        </a:solidFill>
+        <a:latin typeface="+mn-lt"/>
+        <a:ea typeface="+mn-ea"/>
+        <a:cs typeface="+mn-cs"/>
+      </a:defRPr>
+    </a:lvl8pPr>
+    <a:lvl9pPr marL="3657600" algn="l" defTabSz="914400" rtl="0" eaLnBrk="1" latinLnBrk="0" hangingPunct="1">
+      <a:defRPr sz="1200" kern="1200">
+        <a:solidFill>
+          <a:schemeClr val="tx1"/>
+        </a:solidFill>
+        <a:latin typeface="+mn-lt"/>
+        <a:ea typeface="+mn-ea"/>
+        <a:cs typeface="+mn-cs"/>
+      </a:defRPr>
+    </a:lvl9pPr>
+  </p:notesStyle>
+</p:notesMaster>
+</file>
+
 <file path=ppt/slideLayouts/slideLayout1.xml><?xml version="1.0" encoding="utf-8"?>
 <p:sldLayout xmlns:a="http://schemas.openxmlformats.org/drawingml/2006/main" xmlns:r="http://schemas.openxmlformats.org/officeDocument/2006/relationships" xmlns:p="http://schemas.openxmlformats.org/presentationml/2006/main" showMasterSp="0" type="title" preserve="1">
   <p:cSld name="Title Slide">
@@ -326,9 +678,9 @@
             </a:lvl1pPr>
           </a:lstStyle>
           <a:p>
-            <a:fld id="{B4F002ED-55F5-44FA-AEE6-D28849FDDEC8}" type="datetimeFigureOut">
+            <a:fld id="{EB3603AA-4C38-4397-9A85-3DE9D998AD59}" type="datetime1">
               <a:rPr lang="en-US" smtClean="0"/>
-              <a:t>12/14/2021</a:t>
+              <a:t>6/20/2023</a:t>
             </a:fld>
             <a:endParaRPr lang="en-US"/>
           </a:p>
@@ -3909,9 +4261,9 @@
             </a:lvl1pPr>
           </a:lstStyle>
           <a:p>
-            <a:fld id="{B4F002ED-55F5-44FA-AEE6-D28849FDDEC8}" type="datetimeFigureOut">
+            <a:fld id="{AF4DBAFA-B3A6-4EE6-9CBF-A2DF2AE8A955}" type="datetime1">
               <a:rPr lang="en-US" smtClean="0"/>
-              <a:t>12/14/2021</a:t>
+              <a:t>6/20/2023</a:t>
             </a:fld>
             <a:endParaRPr lang="en-US"/>
           </a:p>
@@ -4131,9 +4483,9 @@
             </a:lvl1pPr>
           </a:lstStyle>
           <a:p>
-            <a:fld id="{B4F002ED-55F5-44FA-AEE6-D28849FDDEC8}" type="datetimeFigureOut">
+            <a:fld id="{7BDB771C-108A-4A35-92C3-70E69787808E}" type="datetime1">
               <a:rPr lang="en-US" smtClean="0"/>
-              <a:t>12/14/2021</a:t>
+              <a:t>6/20/2023</a:t>
             </a:fld>
             <a:endParaRPr lang="en-US"/>
           </a:p>
@@ -4415,9 +4767,9 @@
             </a:lvl1pPr>
           </a:lstStyle>
           <a:p>
-            <a:fld id="{B4F002ED-55F5-44FA-AEE6-D28849FDDEC8}" type="datetimeFigureOut">
+            <a:fld id="{0669539C-F19F-474E-BD83-EB80443C7AC5}" type="datetime1">
               <a:rPr lang="en-US" smtClean="0"/>
-              <a:t>12/14/2021</a:t>
+              <a:t>6/20/2023</a:t>
             </a:fld>
             <a:endParaRPr lang="en-US"/>
           </a:p>
@@ -4637,9 +4989,9 @@
             </a:lvl1pPr>
           </a:lstStyle>
           <a:p>
-            <a:fld id="{B4F002ED-55F5-44FA-AEE6-D28849FDDEC8}" type="datetimeFigureOut">
+            <a:fld id="{F814BA64-85AC-45F2-AE86-626FBF83E09B}" type="datetime1">
               <a:rPr lang="en-US" smtClean="0"/>
-              <a:t>12/14/2021</a:t>
+              <a:t>6/20/2023</a:t>
             </a:fld>
             <a:endParaRPr lang="en-US"/>
           </a:p>
@@ -4871,9 +5223,9 @@
             </a:lvl1pPr>
           </a:lstStyle>
           <a:p>
-            <a:fld id="{B4F002ED-55F5-44FA-AEE6-D28849FDDEC8}" type="datetimeFigureOut">
+            <a:fld id="{A31CAA86-27AC-4878-9EF2-3120672C0917}" type="datetime1">
               <a:rPr lang="en-US" smtClean="0"/>
-              <a:t>12/14/2021</a:t>
+              <a:t>6/20/2023</a:t>
             </a:fld>
             <a:endParaRPr lang="en-US"/>
           </a:p>
@@ -5145,9 +5497,9 @@
             </a:lvl1pPr>
           </a:lstStyle>
           <a:p>
-            <a:fld id="{B4F002ED-55F5-44FA-AEE6-D28849FDDEC8}" type="datetimeFigureOut">
+            <a:fld id="{D58EF85F-B0C3-4BB1-AFB2-4B4B152B846F}" type="datetime1">
               <a:rPr lang="en-US" smtClean="0"/>
-              <a:t>12/14/2021</a:t>
+              <a:t>6/20/2023</a:t>
             </a:fld>
             <a:endParaRPr lang="en-US"/>
           </a:p>
@@ -5554,9 +5906,9 @@
             </a:lvl1pPr>
           </a:lstStyle>
           <a:p>
-            <a:fld id="{B4F002ED-55F5-44FA-AEE6-D28849FDDEC8}" type="datetimeFigureOut">
+            <a:fld id="{AFCB7A04-1FFE-492E-9F31-EB7CAEC21D55}" type="datetime1">
               <a:rPr lang="en-US" smtClean="0"/>
-              <a:t>12/14/2021</a:t>
+              <a:t>6/20/2023</a:t>
             </a:fld>
             <a:endParaRPr lang="en-US"/>
           </a:p>
@@ -5714,9 +6066,9 @@
             </a:lvl1pPr>
           </a:lstStyle>
           <a:p>
-            <a:fld id="{B4F002ED-55F5-44FA-AEE6-D28849FDDEC8}" type="datetimeFigureOut">
+            <a:fld id="{4985FE25-6D01-411E-88E0-4E5A73E63157}" type="datetime1">
               <a:rPr lang="en-US" smtClean="0"/>
-              <a:t>12/14/2021</a:t>
+              <a:t>6/20/2023</a:t>
             </a:fld>
             <a:endParaRPr lang="en-US"/>
           </a:p>
@@ -5851,9 +6203,9 @@
             </a:lvl1pPr>
           </a:lstStyle>
           <a:p>
-            <a:fld id="{B4F002ED-55F5-44FA-AEE6-D28849FDDEC8}" type="datetimeFigureOut">
+            <a:fld id="{7AB2ABF8-04E3-40FA-8E4B-ED928D312EED}" type="datetime1">
               <a:rPr lang="en-US" smtClean="0"/>
-              <a:t>12/14/2021</a:t>
+              <a:t>6/20/2023</a:t>
             </a:fld>
             <a:endParaRPr lang="en-US"/>
           </a:p>
@@ -6170,9 +6522,9 @@
             </a:lvl1pPr>
           </a:lstStyle>
           <a:p>
-            <a:fld id="{B4F002ED-55F5-44FA-AEE6-D28849FDDEC8}" type="datetimeFigureOut">
+            <a:fld id="{E2735848-2E9F-4278-823F-1058C60A1465}" type="datetime1">
               <a:rPr lang="en-US" smtClean="0"/>
-              <a:t>12/14/2021</a:t>
+              <a:t>6/20/2023</a:t>
             </a:fld>
             <a:endParaRPr lang="en-US"/>
           </a:p>
@@ -6469,9 +6821,9 @@
             </a:lvl1pPr>
           </a:lstStyle>
           <a:p>
-            <a:fld id="{B4F002ED-55F5-44FA-AEE6-D28849FDDEC8}" type="datetimeFigureOut">
+            <a:fld id="{4E0FAF16-500B-4A19-BE18-4F40D015C0DB}" type="datetime1">
               <a:rPr lang="en-US" smtClean="0"/>
-              <a:t>12/14/2021</a:t>
+              <a:t>6/20/2023</a:t>
             </a:fld>
             <a:endParaRPr lang="en-US"/>
           </a:p>
@@ -6871,9 +7223,9 @@
             </a:lvl1pPr>
           </a:lstStyle>
           <a:p>
-            <a:fld id="{B4F002ED-55F5-44FA-AEE6-D28849FDDEC8}" type="datetimeFigureOut">
+            <a:fld id="{1820D47B-B15D-4982-BF89-CC4B25E9C727}" type="datetime1">
               <a:rPr lang="en-US" smtClean="0"/>
-              <a:t>12/14/2021</a:t>
+              <a:t>6/20/2023</a:t>
             </a:fld>
             <a:endParaRPr lang="en-US"/>
           </a:p>
@@ -8752,6 +9104,7 @@
     <p:sldLayoutId id="2147483671" r:id="rId11"/>
     <p:sldLayoutId id="2147483672" r:id="rId12"/>
   </p:sldLayoutIdLst>
+  <p:hf hdr="0" ftr="0" dt="0"/>
   <p:txStyles>
     <p:titleStyle>
       <a:lvl1pPr algn="l" rtl="0" eaLnBrk="1" fontAlgn="base" hangingPunct="1">
@@ -9236,6 +9589,35 @@
           </a:p>
         </p:txBody>
       </p:sp>
+      <p:sp>
+        <p:nvSpPr>
+          <p:cNvPr id="4" name="Slide Number Placeholder 3">
+            <a:extLst>
+              <a:ext uri="{FF2B5EF4-FFF2-40B4-BE49-F238E27FC236}">
+                <a16:creationId xmlns:a16="http://schemas.microsoft.com/office/drawing/2014/main" id="{DA7AF595-99B8-C4A8-B8FB-1A0A82C6BB7C}"/>
+              </a:ext>
+            </a:extLst>
+          </p:cNvPr>
+          <p:cNvSpPr>
+            <a:spLocks noGrp="1"/>
+          </p:cNvSpPr>
+          <p:nvPr>
+            <p:ph type="sldNum" sz="quarter" idx="4"/>
+          </p:nvPr>
+        </p:nvSpPr>
+        <p:spPr/>
+        <p:txBody>
+          <a:bodyPr/>
+          <a:lstStyle/>
+          <a:p>
+            <a:fld id="{47D4708E-A865-444A-B612-C057A6BC7D03}" type="slidenum">
+              <a:rPr lang="en-US" smtClean="0"/>
+              <a:t>1</a:t>
+            </a:fld>
+            <a:endParaRPr lang="en-US"/>
+          </a:p>
+        </p:txBody>
+      </p:sp>
     </p:spTree>
     <p:extLst>
       <p:ext uri="{BB962C8B-B14F-4D97-AF65-F5344CB8AC3E}">
@@ -9419,6 +9801,35 @@
           </a:ln>
         </p:spPr>
       </p:pic>
+      <p:sp>
+        <p:nvSpPr>
+          <p:cNvPr id="4" name="Slide Number Placeholder 3">
+            <a:extLst>
+              <a:ext uri="{FF2B5EF4-FFF2-40B4-BE49-F238E27FC236}">
+                <a16:creationId xmlns:a16="http://schemas.microsoft.com/office/drawing/2014/main" id="{B7B1F054-7800-442E-CEBE-9A04582D1DA8}"/>
+              </a:ext>
+            </a:extLst>
+          </p:cNvPr>
+          <p:cNvSpPr>
+            <a:spLocks noGrp="1"/>
+          </p:cNvSpPr>
+          <p:nvPr>
+            <p:ph type="sldNum" sz="quarter" idx="12"/>
+          </p:nvPr>
+        </p:nvSpPr>
+        <p:spPr/>
+        <p:txBody>
+          <a:bodyPr/>
+          <a:lstStyle/>
+          <a:p>
+            <a:fld id="{47D4708E-A865-444A-B612-C057A6BC7D03}" type="slidenum">
+              <a:rPr lang="en-US" smtClean="0"/>
+              <a:t>10</a:t>
+            </a:fld>
+            <a:endParaRPr lang="en-US"/>
+          </a:p>
+        </p:txBody>
+      </p:sp>
     </p:spTree>
     <p:extLst>
       <p:ext uri="{BB962C8B-B14F-4D97-AF65-F5344CB8AC3E}">
@@ -9549,6 +9960,35 @@
           </a:prstGeom>
         </p:spPr>
       </p:pic>
+      <p:sp>
+        <p:nvSpPr>
+          <p:cNvPr id="4" name="Slide Number Placeholder 3">
+            <a:extLst>
+              <a:ext uri="{FF2B5EF4-FFF2-40B4-BE49-F238E27FC236}">
+                <a16:creationId xmlns:a16="http://schemas.microsoft.com/office/drawing/2014/main" id="{BCA3492D-FE2B-419F-0ACA-76F499466839}"/>
+              </a:ext>
+            </a:extLst>
+          </p:cNvPr>
+          <p:cNvSpPr>
+            <a:spLocks noGrp="1"/>
+          </p:cNvSpPr>
+          <p:nvPr>
+            <p:ph type="sldNum" sz="quarter" idx="12"/>
+          </p:nvPr>
+        </p:nvSpPr>
+        <p:spPr/>
+        <p:txBody>
+          <a:bodyPr/>
+          <a:lstStyle/>
+          <a:p>
+            <a:fld id="{47D4708E-A865-444A-B612-C057A6BC7D03}" type="slidenum">
+              <a:rPr lang="en-US" smtClean="0"/>
+              <a:t>11</a:t>
+            </a:fld>
+            <a:endParaRPr lang="en-US"/>
+          </a:p>
+        </p:txBody>
+      </p:sp>
     </p:spTree>
     <p:extLst>
       <p:ext uri="{BB962C8B-B14F-4D97-AF65-F5344CB8AC3E}">
@@ -9698,6 +10138,35 @@
           </a:prstGeom>
         </p:spPr>
       </p:pic>
+      <p:sp>
+        <p:nvSpPr>
+          <p:cNvPr id="4" name="Slide Number Placeholder 3">
+            <a:extLst>
+              <a:ext uri="{FF2B5EF4-FFF2-40B4-BE49-F238E27FC236}">
+                <a16:creationId xmlns:a16="http://schemas.microsoft.com/office/drawing/2014/main" id="{9AC13AD2-0376-64CB-934E-1A05672FF221}"/>
+              </a:ext>
+            </a:extLst>
+          </p:cNvPr>
+          <p:cNvSpPr>
+            <a:spLocks noGrp="1"/>
+          </p:cNvSpPr>
+          <p:nvPr>
+            <p:ph type="sldNum" sz="quarter" idx="12"/>
+          </p:nvPr>
+        </p:nvSpPr>
+        <p:spPr/>
+        <p:txBody>
+          <a:bodyPr/>
+          <a:lstStyle/>
+          <a:p>
+            <a:fld id="{47D4708E-A865-444A-B612-C057A6BC7D03}" type="slidenum">
+              <a:rPr lang="en-US" smtClean="0"/>
+              <a:t>12</a:t>
+            </a:fld>
+            <a:endParaRPr lang="en-US"/>
+          </a:p>
+        </p:txBody>
+      </p:sp>
     </p:spTree>
     <p:extLst>
       <p:ext uri="{BB962C8B-B14F-4D97-AF65-F5344CB8AC3E}">
@@ -9814,6 +10283,35 @@
           </a:p>
         </p:txBody>
       </p:sp>
+      <p:sp>
+        <p:nvSpPr>
+          <p:cNvPr id="4" name="Slide Number Placeholder 3">
+            <a:extLst>
+              <a:ext uri="{FF2B5EF4-FFF2-40B4-BE49-F238E27FC236}">
+                <a16:creationId xmlns:a16="http://schemas.microsoft.com/office/drawing/2014/main" id="{E153CACF-6178-058D-A22B-0A99BC3C4AE2}"/>
+              </a:ext>
+            </a:extLst>
+          </p:cNvPr>
+          <p:cNvSpPr>
+            <a:spLocks noGrp="1"/>
+          </p:cNvSpPr>
+          <p:nvPr>
+            <p:ph type="sldNum" sz="quarter" idx="12"/>
+          </p:nvPr>
+        </p:nvSpPr>
+        <p:spPr/>
+        <p:txBody>
+          <a:bodyPr/>
+          <a:lstStyle/>
+          <a:p>
+            <a:fld id="{47D4708E-A865-444A-B612-C057A6BC7D03}" type="slidenum">
+              <a:rPr lang="en-US" smtClean="0"/>
+              <a:t>13</a:t>
+            </a:fld>
+            <a:endParaRPr lang="en-US"/>
+          </a:p>
+        </p:txBody>
+      </p:sp>
     </p:spTree>
     <p:extLst>
       <p:ext uri="{BB962C8B-B14F-4D97-AF65-F5344CB8AC3E}">
@@ -9971,6 +10469,35 @@
           </a:prstGeom>
         </p:spPr>
       </p:pic>
+      <p:sp>
+        <p:nvSpPr>
+          <p:cNvPr id="4" name="Slide Number Placeholder 3">
+            <a:extLst>
+              <a:ext uri="{FF2B5EF4-FFF2-40B4-BE49-F238E27FC236}">
+                <a16:creationId xmlns:a16="http://schemas.microsoft.com/office/drawing/2014/main" id="{72569C23-F1B0-84DC-BD3B-92531D4476A9}"/>
+              </a:ext>
+            </a:extLst>
+          </p:cNvPr>
+          <p:cNvSpPr>
+            <a:spLocks noGrp="1"/>
+          </p:cNvSpPr>
+          <p:nvPr>
+            <p:ph type="sldNum" sz="quarter" idx="12"/>
+          </p:nvPr>
+        </p:nvSpPr>
+        <p:spPr/>
+        <p:txBody>
+          <a:bodyPr/>
+          <a:lstStyle/>
+          <a:p>
+            <a:fld id="{47D4708E-A865-444A-B612-C057A6BC7D03}" type="slidenum">
+              <a:rPr lang="en-US" smtClean="0"/>
+              <a:t>14</a:t>
+            </a:fld>
+            <a:endParaRPr lang="en-US"/>
+          </a:p>
+        </p:txBody>
+      </p:sp>
     </p:spTree>
     <p:extLst>
       <p:ext uri="{BB962C8B-B14F-4D97-AF65-F5344CB8AC3E}">
@@ -10099,6 +10626,35 @@
           </a:p>
         </p:txBody>
       </p:sp>
+      <p:sp>
+        <p:nvSpPr>
+          <p:cNvPr id="4" name="Slide Number Placeholder 3">
+            <a:extLst>
+              <a:ext uri="{FF2B5EF4-FFF2-40B4-BE49-F238E27FC236}">
+                <a16:creationId xmlns:a16="http://schemas.microsoft.com/office/drawing/2014/main" id="{003D7D1A-25D5-6B39-C0B3-979B3898CA72}"/>
+              </a:ext>
+            </a:extLst>
+          </p:cNvPr>
+          <p:cNvSpPr>
+            <a:spLocks noGrp="1"/>
+          </p:cNvSpPr>
+          <p:nvPr>
+            <p:ph type="sldNum" sz="quarter" idx="12"/>
+          </p:nvPr>
+        </p:nvSpPr>
+        <p:spPr/>
+        <p:txBody>
+          <a:bodyPr/>
+          <a:lstStyle/>
+          <a:p>
+            <a:fld id="{47D4708E-A865-444A-B612-C057A6BC7D03}" type="slidenum">
+              <a:rPr lang="en-US" smtClean="0"/>
+              <a:t>15</a:t>
+            </a:fld>
+            <a:endParaRPr lang="en-US"/>
+          </a:p>
+        </p:txBody>
+      </p:sp>
     </p:spTree>
     <p:extLst>
       <p:ext uri="{BB962C8B-B14F-4D97-AF65-F5344CB8AC3E}">
@@ -10263,6 +10819,35 @@
           </a:p>
         </p:txBody>
       </p:sp>
+      <p:sp>
+        <p:nvSpPr>
+          <p:cNvPr id="4" name="Slide Number Placeholder 3">
+            <a:extLst>
+              <a:ext uri="{FF2B5EF4-FFF2-40B4-BE49-F238E27FC236}">
+                <a16:creationId xmlns:a16="http://schemas.microsoft.com/office/drawing/2014/main" id="{2EFA6FF3-F386-4597-8EF1-F68AE1441043}"/>
+              </a:ext>
+            </a:extLst>
+          </p:cNvPr>
+          <p:cNvSpPr>
+            <a:spLocks noGrp="1"/>
+          </p:cNvSpPr>
+          <p:nvPr>
+            <p:ph type="sldNum" sz="quarter" idx="12"/>
+          </p:nvPr>
+        </p:nvSpPr>
+        <p:spPr/>
+        <p:txBody>
+          <a:bodyPr/>
+          <a:lstStyle/>
+          <a:p>
+            <a:fld id="{47D4708E-A865-444A-B612-C057A6BC7D03}" type="slidenum">
+              <a:rPr lang="en-US" smtClean="0"/>
+              <a:t>16</a:t>
+            </a:fld>
+            <a:endParaRPr lang="en-US"/>
+          </a:p>
+        </p:txBody>
+      </p:sp>
     </p:spTree>
     <p:extLst>
       <p:ext uri="{BB962C8B-B14F-4D97-AF65-F5344CB8AC3E}">
@@ -10365,6 +10950,35 @@
           </a:p>
         </p:txBody>
       </p:sp>
+      <p:sp>
+        <p:nvSpPr>
+          <p:cNvPr id="4" name="Slide Number Placeholder 3">
+            <a:extLst>
+              <a:ext uri="{FF2B5EF4-FFF2-40B4-BE49-F238E27FC236}">
+                <a16:creationId xmlns:a16="http://schemas.microsoft.com/office/drawing/2014/main" id="{BAD40DD7-D452-6401-A58B-3859B116A128}"/>
+              </a:ext>
+            </a:extLst>
+          </p:cNvPr>
+          <p:cNvSpPr>
+            <a:spLocks noGrp="1"/>
+          </p:cNvSpPr>
+          <p:nvPr>
+            <p:ph type="sldNum" sz="quarter" idx="12"/>
+          </p:nvPr>
+        </p:nvSpPr>
+        <p:spPr/>
+        <p:txBody>
+          <a:bodyPr/>
+          <a:lstStyle/>
+          <a:p>
+            <a:fld id="{47D4708E-A865-444A-B612-C057A6BC7D03}" type="slidenum">
+              <a:rPr lang="en-US" smtClean="0"/>
+              <a:t>17</a:t>
+            </a:fld>
+            <a:endParaRPr lang="en-US"/>
+          </a:p>
+        </p:txBody>
+      </p:sp>
     </p:spTree>
     <p:extLst>
       <p:ext uri="{BB962C8B-B14F-4D97-AF65-F5344CB8AC3E}">
@@ -10512,6 +11126,35 @@
           </a:p>
         </p:txBody>
       </p:sp>
+      <p:sp>
+        <p:nvSpPr>
+          <p:cNvPr id="4" name="Slide Number Placeholder 3">
+            <a:extLst>
+              <a:ext uri="{FF2B5EF4-FFF2-40B4-BE49-F238E27FC236}">
+                <a16:creationId xmlns:a16="http://schemas.microsoft.com/office/drawing/2014/main" id="{C776C934-2399-C686-93F2-E05DFB0E8AFD}"/>
+              </a:ext>
+            </a:extLst>
+          </p:cNvPr>
+          <p:cNvSpPr>
+            <a:spLocks noGrp="1"/>
+          </p:cNvSpPr>
+          <p:nvPr>
+            <p:ph type="sldNum" sz="quarter" idx="12"/>
+          </p:nvPr>
+        </p:nvSpPr>
+        <p:spPr/>
+        <p:txBody>
+          <a:bodyPr/>
+          <a:lstStyle/>
+          <a:p>
+            <a:fld id="{47D4708E-A865-444A-B612-C057A6BC7D03}" type="slidenum">
+              <a:rPr lang="en-US" smtClean="0"/>
+              <a:t>18</a:t>
+            </a:fld>
+            <a:endParaRPr lang="en-US"/>
+          </a:p>
+        </p:txBody>
+      </p:sp>
     </p:spTree>
     <p:extLst>
       <p:ext uri="{BB962C8B-B14F-4D97-AF65-F5344CB8AC3E}">
@@ -10689,6 +11332,35 @@
           </a:p>
         </p:txBody>
       </p:sp>
+      <p:sp>
+        <p:nvSpPr>
+          <p:cNvPr id="4" name="Slide Number Placeholder 3">
+            <a:extLst>
+              <a:ext uri="{FF2B5EF4-FFF2-40B4-BE49-F238E27FC236}">
+                <a16:creationId xmlns:a16="http://schemas.microsoft.com/office/drawing/2014/main" id="{AABB7FAF-FD94-D01F-8B49-2BC35DD85758}"/>
+              </a:ext>
+            </a:extLst>
+          </p:cNvPr>
+          <p:cNvSpPr>
+            <a:spLocks noGrp="1"/>
+          </p:cNvSpPr>
+          <p:nvPr>
+            <p:ph type="sldNum" sz="quarter" idx="12"/>
+          </p:nvPr>
+        </p:nvSpPr>
+        <p:spPr/>
+        <p:txBody>
+          <a:bodyPr/>
+          <a:lstStyle/>
+          <a:p>
+            <a:fld id="{47D4708E-A865-444A-B612-C057A6BC7D03}" type="slidenum">
+              <a:rPr lang="en-US" smtClean="0"/>
+              <a:t>19</a:t>
+            </a:fld>
+            <a:endParaRPr lang="en-US"/>
+          </a:p>
+        </p:txBody>
+      </p:sp>
     </p:spTree>
     <p:extLst>
       <p:ext uri="{BB962C8B-B14F-4D97-AF65-F5344CB8AC3E}">
@@ -10814,6 +11486,35 @@
           </a:p>
         </p:txBody>
       </p:sp>
+      <p:sp>
+        <p:nvSpPr>
+          <p:cNvPr id="4" name="Slide Number Placeholder 3">
+            <a:extLst>
+              <a:ext uri="{FF2B5EF4-FFF2-40B4-BE49-F238E27FC236}">
+                <a16:creationId xmlns:a16="http://schemas.microsoft.com/office/drawing/2014/main" id="{459B6FEC-BD46-7EE1-43FF-ABDE975D5892}"/>
+              </a:ext>
+            </a:extLst>
+          </p:cNvPr>
+          <p:cNvSpPr>
+            <a:spLocks noGrp="1"/>
+          </p:cNvSpPr>
+          <p:nvPr>
+            <p:ph type="sldNum" sz="quarter" idx="12"/>
+          </p:nvPr>
+        </p:nvSpPr>
+        <p:spPr/>
+        <p:txBody>
+          <a:bodyPr/>
+          <a:lstStyle/>
+          <a:p>
+            <a:fld id="{47D4708E-A865-444A-B612-C057A6BC7D03}" type="slidenum">
+              <a:rPr lang="en-US" smtClean="0"/>
+              <a:t>2</a:t>
+            </a:fld>
+            <a:endParaRPr lang="en-US"/>
+          </a:p>
+        </p:txBody>
+      </p:sp>
     </p:spTree>
     <p:extLst>
       <p:ext uri="{BB962C8B-B14F-4D97-AF65-F5344CB8AC3E}">
@@ -10935,6 +11636,35 @@
           </a:p>
         </p:txBody>
       </p:sp>
+      <p:sp>
+        <p:nvSpPr>
+          <p:cNvPr id="4" name="Slide Number Placeholder 3">
+            <a:extLst>
+              <a:ext uri="{FF2B5EF4-FFF2-40B4-BE49-F238E27FC236}">
+                <a16:creationId xmlns:a16="http://schemas.microsoft.com/office/drawing/2014/main" id="{DAADF360-04F0-1AB5-D56C-222703166676}"/>
+              </a:ext>
+            </a:extLst>
+          </p:cNvPr>
+          <p:cNvSpPr>
+            <a:spLocks noGrp="1"/>
+          </p:cNvSpPr>
+          <p:nvPr>
+            <p:ph type="sldNum" sz="quarter" idx="12"/>
+          </p:nvPr>
+        </p:nvSpPr>
+        <p:spPr/>
+        <p:txBody>
+          <a:bodyPr/>
+          <a:lstStyle/>
+          <a:p>
+            <a:fld id="{47D4708E-A865-444A-B612-C057A6BC7D03}" type="slidenum">
+              <a:rPr lang="en-US" smtClean="0"/>
+              <a:t>20</a:t>
+            </a:fld>
+            <a:endParaRPr lang="en-US"/>
+          </a:p>
+        </p:txBody>
+      </p:sp>
     </p:spTree>
     <p:extLst>
       <p:ext uri="{BB962C8B-B14F-4D97-AF65-F5344CB8AC3E}">
@@ -11067,6 +11797,35 @@
           </a:p>
           <a:p>
             <a:endParaRPr lang="en-US" dirty="0"/>
+          </a:p>
+        </p:txBody>
+      </p:sp>
+      <p:sp>
+        <p:nvSpPr>
+          <p:cNvPr id="4" name="Slide Number Placeholder 3">
+            <a:extLst>
+              <a:ext uri="{FF2B5EF4-FFF2-40B4-BE49-F238E27FC236}">
+                <a16:creationId xmlns:a16="http://schemas.microsoft.com/office/drawing/2014/main" id="{3CDC8746-FE0C-2BF3-D472-ED3D52C82B5E}"/>
+              </a:ext>
+            </a:extLst>
+          </p:cNvPr>
+          <p:cNvSpPr>
+            <a:spLocks noGrp="1"/>
+          </p:cNvSpPr>
+          <p:nvPr>
+            <p:ph type="sldNum" sz="quarter" idx="12"/>
+          </p:nvPr>
+        </p:nvSpPr>
+        <p:spPr/>
+        <p:txBody>
+          <a:bodyPr/>
+          <a:lstStyle/>
+          <a:p>
+            <a:fld id="{47D4708E-A865-444A-B612-C057A6BC7D03}" type="slidenum">
+              <a:rPr lang="en-US" smtClean="0"/>
+              <a:t>21</a:t>
+            </a:fld>
+            <a:endParaRPr lang="en-US"/>
           </a:p>
         </p:txBody>
       </p:sp>
@@ -12366,6 +13125,35 @@
           </a:ln>
         </p:spPr>
       </p:pic>
+      <p:sp>
+        <p:nvSpPr>
+          <p:cNvPr id="4" name="Slide Number Placeholder 3">
+            <a:extLst>
+              <a:ext uri="{FF2B5EF4-FFF2-40B4-BE49-F238E27FC236}">
+                <a16:creationId xmlns:a16="http://schemas.microsoft.com/office/drawing/2014/main" id="{21370486-2299-2244-1088-A7A309E0BDB1}"/>
+              </a:ext>
+            </a:extLst>
+          </p:cNvPr>
+          <p:cNvSpPr>
+            <a:spLocks noGrp="1"/>
+          </p:cNvSpPr>
+          <p:nvPr>
+            <p:ph type="sldNum" sz="quarter" idx="12"/>
+          </p:nvPr>
+        </p:nvSpPr>
+        <p:spPr/>
+        <p:txBody>
+          <a:bodyPr/>
+          <a:lstStyle/>
+          <a:p>
+            <a:fld id="{47D4708E-A865-444A-B612-C057A6BC7D03}" type="slidenum">
+              <a:rPr lang="en-US" smtClean="0"/>
+              <a:t>3</a:t>
+            </a:fld>
+            <a:endParaRPr lang="en-US"/>
+          </a:p>
+        </p:txBody>
+      </p:sp>
     </p:spTree>
     <p:extLst>
       <p:ext uri="{BB962C8B-B14F-4D97-AF65-F5344CB8AC3E}">
@@ -12823,8 +13611,12 @@
           <a:lstStyle/>
           <a:p>
             <a:r>
+              <a:rPr lang="en-US"/>
+              <a:t>functions - based </a:t>
+            </a:r>
+            <a:r>
               <a:rPr lang="en-US" dirty="0"/>
-              <a:t>functions -based component</a:t>
+              <a:t>component</a:t>
             </a:r>
           </a:p>
         </p:txBody>
@@ -12942,6 +13734,293 @@
           </a:ln>
         </p:spPr>
       </p:pic>
+      <p:sp>
+        <p:nvSpPr>
+          <p:cNvPr id="4" name="Slide Number Placeholder 3">
+            <a:extLst>
+              <a:ext uri="{FF2B5EF4-FFF2-40B4-BE49-F238E27FC236}">
+                <a16:creationId xmlns:a16="http://schemas.microsoft.com/office/drawing/2014/main" id="{E83304C3-3EEC-56A6-7CE9-8C371857FCAE}"/>
+              </a:ext>
+            </a:extLst>
+          </p:cNvPr>
+          <p:cNvSpPr>
+            <a:spLocks noGrp="1"/>
+          </p:cNvSpPr>
+          <p:nvPr>
+            <p:ph type="sldNum" sz="quarter" idx="12"/>
+          </p:nvPr>
+        </p:nvSpPr>
+        <p:spPr/>
+        <p:txBody>
+          <a:bodyPr/>
+          <a:lstStyle/>
+          <a:p>
+            <a:fld id="{47D4708E-A865-444A-B612-C057A6BC7D03}" type="slidenum">
+              <a:rPr lang="en-US" smtClean="0"/>
+              <a:t>4</a:t>
+            </a:fld>
+            <a:endParaRPr lang="en-US"/>
+          </a:p>
+        </p:txBody>
+      </p:sp>
+      <p:sp>
+        <p:nvSpPr>
+          <p:cNvPr id="6" name="Rectangle 5">
+            <a:extLst>
+              <a:ext uri="{FF2B5EF4-FFF2-40B4-BE49-F238E27FC236}">
+                <a16:creationId xmlns:a16="http://schemas.microsoft.com/office/drawing/2014/main" id="{805203D2-56E4-60FE-4E5A-8BC1869D08C1}"/>
+              </a:ext>
+            </a:extLst>
+          </p:cNvPr>
+          <p:cNvSpPr/>
+          <p:nvPr/>
+        </p:nvSpPr>
+        <p:spPr bwMode="auto">
+          <a:xfrm>
+            <a:off x="1014412" y="2886075"/>
+            <a:ext cx="2861849" cy="383899"/>
+          </a:xfrm>
+          <a:prstGeom prst="rect">
+            <a:avLst/>
+          </a:prstGeom>
+          <a:noFill/>
+          <a:ln w="9525" cap="flat" cmpd="sng" algn="ctr">
+            <a:solidFill>
+              <a:schemeClr val="tx1"/>
+            </a:solidFill>
+            <a:prstDash val="solid"/>
+            <a:round/>
+            <a:headEnd type="none" w="med" len="med"/>
+            <a:tailEnd type="none" w="med" len="med"/>
+          </a:ln>
+          <a:effectLst/>
+        </p:spPr>
+        <p:txBody>
+          <a:bodyPr vert="horz" wrap="square" lIns="91440" tIns="45720" rIns="91440" bIns="45720" numCol="1" rtlCol="0" anchor="t" anchorCtr="0" compatLnSpc="1">
+            <a:prstTxWarp prst="textNoShape">
+              <a:avLst/>
+            </a:prstTxWarp>
+          </a:bodyPr>
+          <a:lstStyle/>
+          <a:p>
+            <a:pPr marL="0" marR="0" indent="0" algn="l" defTabSz="914400" rtl="0" eaLnBrk="0" fontAlgn="base" latinLnBrk="0" hangingPunct="0">
+              <a:lnSpc>
+                <a:spcPct val="100000"/>
+              </a:lnSpc>
+              <a:spcBef>
+                <a:spcPct val="0"/>
+              </a:spcBef>
+              <a:spcAft>
+                <a:spcPct val="0"/>
+              </a:spcAft>
+              <a:buClrTx/>
+              <a:buSzTx/>
+              <a:buFontTx/>
+              <a:buNone/>
+              <a:tabLst/>
+            </a:pPr>
+            <a:endParaRPr kumimoji="0" lang="en-US" sz="1800" b="0" i="0" u="none" strike="noStrike" cap="none" normalizeH="0" baseline="0">
+              <a:ln>
+                <a:noFill/>
+              </a:ln>
+              <a:solidFill>
+                <a:schemeClr val="tx1"/>
+              </a:solidFill>
+              <a:effectLst/>
+              <a:latin typeface="Arial" panose="020B0604020202020204" pitchFamily="34" charset="0"/>
+            </a:endParaRPr>
+          </a:p>
+        </p:txBody>
+      </p:sp>
+      <p:sp>
+        <p:nvSpPr>
+          <p:cNvPr id="8" name="Rectangle 7">
+            <a:extLst>
+              <a:ext uri="{FF2B5EF4-FFF2-40B4-BE49-F238E27FC236}">
+                <a16:creationId xmlns:a16="http://schemas.microsoft.com/office/drawing/2014/main" id="{B49D47C1-222A-6C20-715A-2FD5B1D30E49}"/>
+              </a:ext>
+            </a:extLst>
+          </p:cNvPr>
+          <p:cNvSpPr/>
+          <p:nvPr/>
+        </p:nvSpPr>
+        <p:spPr bwMode="auto">
+          <a:xfrm>
+            <a:off x="5645426" y="4860925"/>
+            <a:ext cx="2653748" cy="416753"/>
+          </a:xfrm>
+          <a:prstGeom prst="rect">
+            <a:avLst/>
+          </a:prstGeom>
+          <a:noFill/>
+          <a:ln w="9525" cap="flat" cmpd="sng" algn="ctr">
+            <a:solidFill>
+              <a:schemeClr val="tx1"/>
+            </a:solidFill>
+            <a:prstDash val="solid"/>
+            <a:round/>
+            <a:headEnd type="none" w="med" len="med"/>
+            <a:tailEnd type="none" w="med" len="med"/>
+          </a:ln>
+          <a:effectLst/>
+        </p:spPr>
+        <p:txBody>
+          <a:bodyPr vert="horz" wrap="square" lIns="91440" tIns="45720" rIns="91440" bIns="45720" numCol="1" rtlCol="0" anchor="t" anchorCtr="0" compatLnSpc="1">
+            <a:prstTxWarp prst="textNoShape">
+              <a:avLst/>
+            </a:prstTxWarp>
+          </a:bodyPr>
+          <a:lstStyle/>
+          <a:p>
+            <a:pPr marL="0" marR="0" indent="0" algn="l" defTabSz="914400" rtl="0" eaLnBrk="0" fontAlgn="base" latinLnBrk="0" hangingPunct="0">
+              <a:lnSpc>
+                <a:spcPct val="100000"/>
+              </a:lnSpc>
+              <a:spcBef>
+                <a:spcPct val="0"/>
+              </a:spcBef>
+              <a:spcAft>
+                <a:spcPct val="0"/>
+              </a:spcAft>
+              <a:buClrTx/>
+              <a:buSzTx/>
+              <a:buFontTx/>
+              <a:buNone/>
+              <a:tabLst/>
+            </a:pPr>
+            <a:endParaRPr kumimoji="0" lang="en-US" sz="1800" b="0" i="0" u="none" strike="noStrike" cap="none" normalizeH="0" baseline="0">
+              <a:ln>
+                <a:noFill/>
+              </a:ln>
+              <a:solidFill>
+                <a:schemeClr val="tx1"/>
+              </a:solidFill>
+              <a:effectLst/>
+              <a:latin typeface="Arial" panose="020B0604020202020204" pitchFamily="34" charset="0"/>
+            </a:endParaRPr>
+          </a:p>
+        </p:txBody>
+      </p:sp>
+      <p:cxnSp>
+        <p:nvCxnSpPr>
+          <p:cNvPr id="10" name="Straight Arrow Connector 9">
+            <a:extLst>
+              <a:ext uri="{FF2B5EF4-FFF2-40B4-BE49-F238E27FC236}">
+                <a16:creationId xmlns:a16="http://schemas.microsoft.com/office/drawing/2014/main" id="{5C3E59FD-4279-4B65-DAF0-D0769879D811}"/>
+              </a:ext>
+            </a:extLst>
+          </p:cNvPr>
+          <p:cNvCxnSpPr>
+            <a:stCxn id="6" idx="3"/>
+          </p:cNvCxnSpPr>
+          <p:nvPr/>
+        </p:nvCxnSpPr>
+        <p:spPr bwMode="auto">
+          <a:xfrm>
+            <a:off x="3876261" y="3078025"/>
+            <a:ext cx="1672051" cy="32923"/>
+          </a:xfrm>
+          <a:prstGeom prst="straightConnector1">
+            <a:avLst/>
+          </a:prstGeom>
+          <a:solidFill>
+            <a:schemeClr val="accent1"/>
+          </a:solidFill>
+          <a:ln w="9525" cap="flat" cmpd="sng" algn="ctr">
+            <a:solidFill>
+              <a:schemeClr val="tx1"/>
+            </a:solidFill>
+            <a:prstDash val="solid"/>
+            <a:round/>
+            <a:headEnd type="none" w="med" len="med"/>
+            <a:tailEnd type="triangle"/>
+          </a:ln>
+          <a:effectLst/>
+          <a:extLst>
+            <a:ext uri="{AF507438-7753-43E0-B8FC-AC1667EBCBE1}">
+              <a14:hiddenEffects xmlns:a14="http://schemas.microsoft.com/office/drawing/2010/main">
+                <a:effectLst>
+                  <a:outerShdw dist="35921" dir="2700000" algn="ctr" rotWithShape="0">
+                    <a:schemeClr val="bg2"/>
+                  </a:outerShdw>
+                </a:effectLst>
+              </a14:hiddenEffects>
+            </a:ext>
+          </a:extLst>
+        </p:spPr>
+      </p:cxnSp>
+      <p:sp>
+        <p:nvSpPr>
+          <p:cNvPr id="11" name="Rectangle 10">
+            <a:extLst>
+              <a:ext uri="{FF2B5EF4-FFF2-40B4-BE49-F238E27FC236}">
+                <a16:creationId xmlns:a16="http://schemas.microsoft.com/office/drawing/2014/main" id="{DD4A6EA3-3235-35B6-F1D5-9B193DAD8684}"/>
+              </a:ext>
+            </a:extLst>
+          </p:cNvPr>
+          <p:cNvSpPr/>
+          <p:nvPr/>
+        </p:nvSpPr>
+        <p:spPr bwMode="auto">
+          <a:xfrm>
+            <a:off x="5734878" y="2886075"/>
+            <a:ext cx="3995531" cy="440428"/>
+          </a:xfrm>
+          <a:prstGeom prst="rect">
+            <a:avLst/>
+          </a:prstGeom>
+          <a:noFill/>
+          <a:ln w="9525" cap="flat" cmpd="sng" algn="ctr">
+            <a:solidFill>
+              <a:schemeClr val="tx1"/>
+            </a:solidFill>
+            <a:prstDash val="solid"/>
+            <a:round/>
+            <a:headEnd type="none" w="med" len="med"/>
+            <a:tailEnd type="none" w="med" len="med"/>
+          </a:ln>
+          <a:effectLst/>
+        </p:spPr>
+        <p:txBody>
+          <a:bodyPr vert="horz" wrap="square" lIns="91440" tIns="45720" rIns="91440" bIns="45720" numCol="1" rtlCol="0" anchor="t" anchorCtr="0" compatLnSpc="1">
+            <a:prstTxWarp prst="textNoShape">
+              <a:avLst/>
+            </a:prstTxWarp>
+          </a:bodyPr>
+          <a:lstStyle/>
+          <a:p>
+            <a:pPr marL="0" marR="0" indent="0" algn="l" defTabSz="914400" rtl="0" eaLnBrk="0" fontAlgn="base" latinLnBrk="0" hangingPunct="0">
+              <a:lnSpc>
+                <a:spcPct val="100000"/>
+              </a:lnSpc>
+              <a:spcBef>
+                <a:spcPct val="0"/>
+              </a:spcBef>
+              <a:spcAft>
+                <a:spcPct val="0"/>
+              </a:spcAft>
+              <a:buClrTx/>
+              <a:buSzTx/>
+              <a:buFontTx/>
+              <a:buNone/>
+              <a:tabLst/>
+            </a:pPr>
+            <a:r>
+              <a:rPr kumimoji="0" lang="en-US" sz="1800" b="0" i="0" u="none" strike="noStrike" cap="none" normalizeH="0" baseline="0" dirty="0">
+                <a:ln>
+                  <a:noFill/>
+                </a:ln>
+                <a:solidFill>
+                  <a:schemeClr val="tx1"/>
+                </a:solidFill>
+                <a:effectLst/>
+                <a:latin typeface="Arial" panose="020B0604020202020204" pitchFamily="34" charset="0"/>
+              </a:rPr>
+              <a:t>Not needed from React 17 onwards</a:t>
+            </a:r>
+          </a:p>
+        </p:txBody>
+      </p:sp>
     </p:spTree>
     <p:extLst>
       <p:ext uri="{BB962C8B-B14F-4D97-AF65-F5344CB8AC3E}">
@@ -13034,6 +14113,35 @@
           </a:p>
         </p:txBody>
       </p:sp>
+      <p:sp>
+        <p:nvSpPr>
+          <p:cNvPr id="4" name="Slide Number Placeholder 3">
+            <a:extLst>
+              <a:ext uri="{FF2B5EF4-FFF2-40B4-BE49-F238E27FC236}">
+                <a16:creationId xmlns:a16="http://schemas.microsoft.com/office/drawing/2014/main" id="{6F3F43B4-44E9-2713-9DB1-B6F58BC52AFB}"/>
+              </a:ext>
+            </a:extLst>
+          </p:cNvPr>
+          <p:cNvSpPr>
+            <a:spLocks noGrp="1"/>
+          </p:cNvSpPr>
+          <p:nvPr>
+            <p:ph type="sldNum" sz="quarter" idx="12"/>
+          </p:nvPr>
+        </p:nvSpPr>
+        <p:spPr/>
+        <p:txBody>
+          <a:bodyPr/>
+          <a:lstStyle/>
+          <a:p>
+            <a:fld id="{47D4708E-A865-444A-B612-C057A6BC7D03}" type="slidenum">
+              <a:rPr lang="en-US" smtClean="0"/>
+              <a:t>5</a:t>
+            </a:fld>
+            <a:endParaRPr lang="en-US"/>
+          </a:p>
+        </p:txBody>
+      </p:sp>
     </p:spTree>
     <p:extLst>
       <p:ext uri="{BB962C8B-B14F-4D97-AF65-F5344CB8AC3E}">
@@ -13187,6 +14295,35 @@
           </a:prstGeom>
         </p:spPr>
       </p:pic>
+      <p:sp>
+        <p:nvSpPr>
+          <p:cNvPr id="4" name="Slide Number Placeholder 3">
+            <a:extLst>
+              <a:ext uri="{FF2B5EF4-FFF2-40B4-BE49-F238E27FC236}">
+                <a16:creationId xmlns:a16="http://schemas.microsoft.com/office/drawing/2014/main" id="{08813035-E4C5-537A-468D-9435AF4E9B8D}"/>
+              </a:ext>
+            </a:extLst>
+          </p:cNvPr>
+          <p:cNvSpPr>
+            <a:spLocks noGrp="1"/>
+          </p:cNvSpPr>
+          <p:nvPr>
+            <p:ph type="sldNum" sz="quarter" idx="12"/>
+          </p:nvPr>
+        </p:nvSpPr>
+        <p:spPr/>
+        <p:txBody>
+          <a:bodyPr/>
+          <a:lstStyle/>
+          <a:p>
+            <a:fld id="{47D4708E-A865-444A-B612-C057A6BC7D03}" type="slidenum">
+              <a:rPr lang="en-US" smtClean="0"/>
+              <a:t>6</a:t>
+            </a:fld>
+            <a:endParaRPr lang="en-US"/>
+          </a:p>
+        </p:txBody>
+      </p:sp>
     </p:spTree>
     <p:extLst>
       <p:ext uri="{BB962C8B-B14F-4D97-AF65-F5344CB8AC3E}">
@@ -13286,6 +14423,35 @@
           </a:p>
         </p:txBody>
       </p:sp>
+      <p:sp>
+        <p:nvSpPr>
+          <p:cNvPr id="4" name="Slide Number Placeholder 3">
+            <a:extLst>
+              <a:ext uri="{FF2B5EF4-FFF2-40B4-BE49-F238E27FC236}">
+                <a16:creationId xmlns:a16="http://schemas.microsoft.com/office/drawing/2014/main" id="{9CCBFDDE-A970-2455-29B5-3F2F1F4D901E}"/>
+              </a:ext>
+            </a:extLst>
+          </p:cNvPr>
+          <p:cNvSpPr>
+            <a:spLocks noGrp="1"/>
+          </p:cNvSpPr>
+          <p:nvPr>
+            <p:ph type="sldNum" sz="quarter" idx="12"/>
+          </p:nvPr>
+        </p:nvSpPr>
+        <p:spPr/>
+        <p:txBody>
+          <a:bodyPr/>
+          <a:lstStyle/>
+          <a:p>
+            <a:fld id="{47D4708E-A865-444A-B612-C057A6BC7D03}" type="slidenum">
+              <a:rPr lang="en-US" smtClean="0"/>
+              <a:t>7</a:t>
+            </a:fld>
+            <a:endParaRPr lang="en-US"/>
+          </a:p>
+        </p:txBody>
+      </p:sp>
     </p:spTree>
     <p:extLst>
       <p:ext uri="{BB962C8B-B14F-4D97-AF65-F5344CB8AC3E}">
@@ -13498,6 +14664,35 @@
           </a:p>
         </p:txBody>
       </p:sp>
+      <p:sp>
+        <p:nvSpPr>
+          <p:cNvPr id="4" name="Slide Number Placeholder 3">
+            <a:extLst>
+              <a:ext uri="{FF2B5EF4-FFF2-40B4-BE49-F238E27FC236}">
+                <a16:creationId xmlns:a16="http://schemas.microsoft.com/office/drawing/2014/main" id="{89C6022F-4204-B5C6-14F8-3D4ED3978CA0}"/>
+              </a:ext>
+            </a:extLst>
+          </p:cNvPr>
+          <p:cNvSpPr>
+            <a:spLocks noGrp="1"/>
+          </p:cNvSpPr>
+          <p:nvPr>
+            <p:ph type="sldNum" sz="quarter" idx="12"/>
+          </p:nvPr>
+        </p:nvSpPr>
+        <p:spPr/>
+        <p:txBody>
+          <a:bodyPr/>
+          <a:lstStyle/>
+          <a:p>
+            <a:fld id="{47D4708E-A865-444A-B612-C057A6BC7D03}" type="slidenum">
+              <a:rPr lang="en-US" smtClean="0"/>
+              <a:t>8</a:t>
+            </a:fld>
+            <a:endParaRPr lang="en-US"/>
+          </a:p>
+        </p:txBody>
+      </p:sp>
     </p:spTree>
     <p:extLst>
       <p:ext uri="{BB962C8B-B14F-4D97-AF65-F5344CB8AC3E}">
@@ -13638,6 +14833,35 @@
               <a:rPr lang="en-US" sz="2300" dirty="0"/>
               <a:t>JSX is case sensitive, in that if the tag provided is capitalized, it will be rendered as a component, while if it's lowercase, it'll be rendered as an HTML element.</a:t>
             </a:r>
+          </a:p>
+        </p:txBody>
+      </p:sp>
+      <p:sp>
+        <p:nvSpPr>
+          <p:cNvPr id="4" name="Slide Number Placeholder 3">
+            <a:extLst>
+              <a:ext uri="{FF2B5EF4-FFF2-40B4-BE49-F238E27FC236}">
+                <a16:creationId xmlns:a16="http://schemas.microsoft.com/office/drawing/2014/main" id="{55652321-22F8-499E-0198-F80FF91F0087}"/>
+              </a:ext>
+            </a:extLst>
+          </p:cNvPr>
+          <p:cNvSpPr>
+            <a:spLocks noGrp="1"/>
+          </p:cNvSpPr>
+          <p:nvPr>
+            <p:ph type="sldNum" sz="quarter" idx="12"/>
+          </p:nvPr>
+        </p:nvSpPr>
+        <p:spPr/>
+        <p:txBody>
+          <a:bodyPr/>
+          <a:lstStyle/>
+          <a:p>
+            <a:fld id="{47D4708E-A865-444A-B612-C057A6BC7D03}" type="slidenum">
+              <a:rPr lang="en-US" smtClean="0"/>
+              <a:t>9</a:t>
+            </a:fld>
+            <a:endParaRPr lang="en-US"/>
           </a:p>
         </p:txBody>
       </p:sp>
@@ -14411,4 +15635,299 @@
     </a:ext>
   </a:extLst>
 </a:theme>
+</file>
+
+<file path=ppt/theme/theme2.xml><?xml version="1.0" encoding="utf-8"?>
+<a:theme xmlns:a="http://schemas.openxmlformats.org/drawingml/2006/main" name="Office Theme">
+  <a:themeElements>
+    <a:clrScheme name="Office">
+      <a:dk1>
+        <a:sysClr val="windowText" lastClr="000000"/>
+      </a:dk1>
+      <a:lt1>
+        <a:sysClr val="window" lastClr="FFFFFF"/>
+      </a:lt1>
+      <a:dk2>
+        <a:srgbClr val="44546A"/>
+      </a:dk2>
+      <a:lt2>
+        <a:srgbClr val="E7E6E6"/>
+      </a:lt2>
+      <a:accent1>
+        <a:srgbClr val="4472C4"/>
+      </a:accent1>
+      <a:accent2>
+        <a:srgbClr val="ED7D31"/>
+      </a:accent2>
+      <a:accent3>
+        <a:srgbClr val="A5A5A5"/>
+      </a:accent3>
+      <a:accent4>
+        <a:srgbClr val="FFC000"/>
+      </a:accent4>
+      <a:accent5>
+        <a:srgbClr val="5B9BD5"/>
+      </a:accent5>
+      <a:accent6>
+        <a:srgbClr val="70AD47"/>
+      </a:accent6>
+      <a:hlink>
+        <a:srgbClr val="0563C1"/>
+      </a:hlink>
+      <a:folHlink>
+        <a:srgbClr val="954F72"/>
+      </a:folHlink>
+    </a:clrScheme>
+    <a:fontScheme name="Office">
+      <a:majorFont>
+        <a:latin typeface="Calibri Light" panose="020F0302020204030204"/>
+        <a:ea typeface=""/>
+        <a:cs typeface=""/>
+        <a:font script="Jpan" typeface="游ゴシック Light"/>
+        <a:font script="Hang" typeface="맑은 고딕"/>
+        <a:font script="Hans" typeface="等线 Light"/>
+        <a:font script="Hant" typeface="新細明體"/>
+        <a:font script="Arab" typeface="Times New Roman"/>
+        <a:font script="Hebr" typeface="Times New Roman"/>
+        <a:font script="Thai" typeface="Angsana New"/>
+        <a:font script="Ethi" typeface="Nyala"/>
+        <a:font script="Beng" typeface="Vrinda"/>
+        <a:font script="Gujr" typeface="Shruti"/>
+        <a:font script="Khmr" typeface="MoolBoran"/>
+        <a:font script="Knda" typeface="Tunga"/>
+        <a:font script="Guru" typeface="Raavi"/>
+        <a:font script="Cans" typeface="Euphemia"/>
+        <a:font script="Cher" typeface="Plantagenet Cherokee"/>
+        <a:font script="Yiii" typeface="Microsoft Yi Baiti"/>
+        <a:font script="Tibt" typeface="Microsoft Himalaya"/>
+        <a:font script="Thaa" typeface="MV Boli"/>
+        <a:font script="Deva" typeface="Mangal"/>
+        <a:font script="Telu" typeface="Gautami"/>
+        <a:font script="Taml" typeface="Latha"/>
+        <a:font script="Syrc" typeface="Estrangelo Edessa"/>
+        <a:font script="Orya" typeface="Kalinga"/>
+        <a:font script="Mlym" typeface="Kartika"/>
+        <a:font script="Laoo" typeface="DokChampa"/>
+        <a:font script="Sinh" typeface="Iskoola Pota"/>
+        <a:font script="Mong" typeface="Mongolian Baiti"/>
+        <a:font script="Viet" typeface="Times New Roman"/>
+        <a:font script="Uigh" typeface="Microsoft Uighur"/>
+        <a:font script="Geor" typeface="Sylfaen"/>
+        <a:font script="Armn" typeface="Arial"/>
+        <a:font script="Bugi" typeface="Leelawadee UI"/>
+        <a:font script="Bopo" typeface="Microsoft JhengHei"/>
+        <a:font script="Java" typeface="Javanese Text"/>
+        <a:font script="Lisu" typeface="Segoe UI"/>
+        <a:font script="Mymr" typeface="Myanmar Text"/>
+        <a:font script="Nkoo" typeface="Ebrima"/>
+        <a:font script="Olck" typeface="Nirmala UI"/>
+        <a:font script="Osma" typeface="Ebrima"/>
+        <a:font script="Phag" typeface="Phagspa"/>
+        <a:font script="Syrn" typeface="Estrangelo Edessa"/>
+        <a:font script="Syrj" typeface="Estrangelo Edessa"/>
+        <a:font script="Syre" typeface="Estrangelo Edessa"/>
+        <a:font script="Sora" typeface="Nirmala UI"/>
+        <a:font script="Tale" typeface="Microsoft Tai Le"/>
+        <a:font script="Talu" typeface="Microsoft New Tai Lue"/>
+        <a:font script="Tfng" typeface="Ebrima"/>
+      </a:majorFont>
+      <a:minorFont>
+        <a:latin typeface="Calibri" panose="020F0502020204030204"/>
+        <a:ea typeface=""/>
+        <a:cs typeface=""/>
+        <a:font script="Jpan" typeface="游ゴシック"/>
+        <a:font script="Hang" typeface="맑은 고딕"/>
+        <a:font script="Hans" typeface="等线"/>
+        <a:font script="Hant" typeface="新細明體"/>
+        <a:font script="Arab" typeface="Arial"/>
+        <a:font script="Hebr" typeface="Arial"/>
+        <a:font script="Thai" typeface="Cordia New"/>
+        <a:font script="Ethi" typeface="Nyala"/>
+        <a:font script="Beng" typeface="Vrinda"/>
+        <a:font script="Gujr" typeface="Shruti"/>
+        <a:font script="Khmr" typeface="DaunPenh"/>
+        <a:font script="Knda" typeface="Tunga"/>
+        <a:font script="Guru" typeface="Raavi"/>
+        <a:font script="Cans" typeface="Euphemia"/>
+        <a:font script="Cher" typeface="Plantagenet Cherokee"/>
+        <a:font script="Yiii" typeface="Microsoft Yi Baiti"/>
+        <a:font script="Tibt" typeface="Microsoft Himalaya"/>
+        <a:font script="Thaa" typeface="MV Boli"/>
+        <a:font script="Deva" typeface="Mangal"/>
+        <a:font script="Telu" typeface="Gautami"/>
+        <a:font script="Taml" typeface="Latha"/>
+        <a:font script="Syrc" typeface="Estrangelo Edessa"/>
+        <a:font script="Orya" typeface="Kalinga"/>
+        <a:font script="Mlym" typeface="Kartika"/>
+        <a:font script="Laoo" typeface="DokChampa"/>
+        <a:font script="Sinh" typeface="Iskoola Pota"/>
+        <a:font script="Mong" typeface="Mongolian Baiti"/>
+        <a:font script="Viet" typeface="Arial"/>
+        <a:font script="Uigh" typeface="Microsoft Uighur"/>
+        <a:font script="Geor" typeface="Sylfaen"/>
+        <a:font script="Armn" typeface="Arial"/>
+        <a:font script="Bugi" typeface="Leelawadee UI"/>
+        <a:font script="Bopo" typeface="Microsoft JhengHei"/>
+        <a:font script="Java" typeface="Javanese Text"/>
+        <a:font script="Lisu" typeface="Segoe UI"/>
+        <a:font script="Mymr" typeface="Myanmar Text"/>
+        <a:font script="Nkoo" typeface="Ebrima"/>
+        <a:font script="Olck" typeface="Nirmala UI"/>
+        <a:font script="Osma" typeface="Ebrima"/>
+        <a:font script="Phag" typeface="Phagspa"/>
+        <a:font script="Syrn" typeface="Estrangelo Edessa"/>
+        <a:font script="Syrj" typeface="Estrangelo Edessa"/>
+        <a:font script="Syre" typeface="Estrangelo Edessa"/>
+        <a:font script="Sora" typeface="Nirmala UI"/>
+        <a:font script="Tale" typeface="Microsoft Tai Le"/>
+        <a:font script="Talu" typeface="Microsoft New Tai Lue"/>
+        <a:font script="Tfng" typeface="Ebrima"/>
+      </a:minorFont>
+    </a:fontScheme>
+    <a:fmtScheme name="Office">
+      <a:fillStyleLst>
+        <a:solidFill>
+          <a:schemeClr val="phClr"/>
+        </a:solidFill>
+        <a:gradFill rotWithShape="1">
+          <a:gsLst>
+            <a:gs pos="0">
+              <a:schemeClr val="phClr">
+                <a:lumMod val="110000"/>
+                <a:satMod val="105000"/>
+                <a:tint val="67000"/>
+              </a:schemeClr>
+            </a:gs>
+            <a:gs pos="50000">
+              <a:schemeClr val="phClr">
+                <a:lumMod val="105000"/>
+                <a:satMod val="103000"/>
+                <a:tint val="73000"/>
+              </a:schemeClr>
+            </a:gs>
+            <a:gs pos="100000">
+              <a:schemeClr val="phClr">
+                <a:lumMod val="105000"/>
+                <a:satMod val="109000"/>
+                <a:tint val="81000"/>
+              </a:schemeClr>
+            </a:gs>
+          </a:gsLst>
+          <a:lin ang="5400000" scaled="0"/>
+        </a:gradFill>
+        <a:gradFill rotWithShape="1">
+          <a:gsLst>
+            <a:gs pos="0">
+              <a:schemeClr val="phClr">
+                <a:satMod val="103000"/>
+                <a:lumMod val="102000"/>
+                <a:tint val="94000"/>
+              </a:schemeClr>
+            </a:gs>
+            <a:gs pos="50000">
+              <a:schemeClr val="phClr">
+                <a:satMod val="110000"/>
+                <a:lumMod val="100000"/>
+                <a:shade val="100000"/>
+              </a:schemeClr>
+            </a:gs>
+            <a:gs pos="100000">
+              <a:schemeClr val="phClr">
+                <a:lumMod val="99000"/>
+                <a:satMod val="120000"/>
+                <a:shade val="78000"/>
+              </a:schemeClr>
+            </a:gs>
+          </a:gsLst>
+          <a:lin ang="5400000" scaled="0"/>
+        </a:gradFill>
+      </a:fillStyleLst>
+      <a:lnStyleLst>
+        <a:ln w="6350" cap="flat" cmpd="sng" algn="ctr">
+          <a:solidFill>
+            <a:schemeClr val="phClr"/>
+          </a:solidFill>
+          <a:prstDash val="solid"/>
+          <a:miter lim="800000"/>
+        </a:ln>
+        <a:ln w="12700" cap="flat" cmpd="sng" algn="ctr">
+          <a:solidFill>
+            <a:schemeClr val="phClr"/>
+          </a:solidFill>
+          <a:prstDash val="solid"/>
+          <a:miter lim="800000"/>
+        </a:ln>
+        <a:ln w="19050" cap="flat" cmpd="sng" algn="ctr">
+          <a:solidFill>
+            <a:schemeClr val="phClr"/>
+          </a:solidFill>
+          <a:prstDash val="solid"/>
+          <a:miter lim="800000"/>
+        </a:ln>
+      </a:lnStyleLst>
+      <a:effectStyleLst>
+        <a:effectStyle>
+          <a:effectLst/>
+        </a:effectStyle>
+        <a:effectStyle>
+          <a:effectLst/>
+        </a:effectStyle>
+        <a:effectStyle>
+          <a:effectLst>
+            <a:outerShdw blurRad="57150" dist="19050" dir="5400000" algn="ctr" rotWithShape="0">
+              <a:srgbClr val="000000">
+                <a:alpha val="63000"/>
+              </a:srgbClr>
+            </a:outerShdw>
+          </a:effectLst>
+        </a:effectStyle>
+      </a:effectStyleLst>
+      <a:bgFillStyleLst>
+        <a:solidFill>
+          <a:schemeClr val="phClr"/>
+        </a:solidFill>
+        <a:solidFill>
+          <a:schemeClr val="phClr">
+            <a:tint val="95000"/>
+            <a:satMod val="170000"/>
+          </a:schemeClr>
+        </a:solidFill>
+        <a:gradFill rotWithShape="1">
+          <a:gsLst>
+            <a:gs pos="0">
+              <a:schemeClr val="phClr">
+                <a:tint val="93000"/>
+                <a:satMod val="150000"/>
+                <a:shade val="98000"/>
+                <a:lumMod val="102000"/>
+              </a:schemeClr>
+            </a:gs>
+            <a:gs pos="50000">
+              <a:schemeClr val="phClr">
+                <a:tint val="98000"/>
+                <a:satMod val="130000"/>
+                <a:shade val="90000"/>
+                <a:lumMod val="103000"/>
+              </a:schemeClr>
+            </a:gs>
+            <a:gs pos="100000">
+              <a:schemeClr val="phClr">
+                <a:shade val="63000"/>
+                <a:satMod val="120000"/>
+              </a:schemeClr>
+            </a:gs>
+          </a:gsLst>
+          <a:lin ang="5400000" scaled="0"/>
+        </a:gradFill>
+      </a:bgFillStyleLst>
+    </a:fmtScheme>
+  </a:themeElements>
+  <a:objectDefaults/>
+  <a:extraClrSchemeLst/>
+  <a:extLst>
+    <a:ext uri="{05A4C25C-085E-4340-85A3-A5531E510DB2}">
+      <thm15:themeFamily xmlns:thm15="http://schemas.microsoft.com/office/thememl/2012/main" name="Office Theme" id="{62F939B6-93AF-4DB8-9C6B-D6C7DFDC589F}" vid="{4A3C46E8-61CC-4603-A589-7422A47A8E4A}"/>
+    </a:ext>
+  </a:extLst>
+</a:theme>
 </file>